--- a/ExplainerDahboards_AIS_KnowledgeExchange.pptx
+++ b/ExplainerDahboards_AIS_KnowledgeExchange.pptx
@@ -6,23 +6,26 @@
     <p:sldMasterId id="2147484693" r:id="rId5"/>
   </p:sldMasterIdLst>
   <p:notesMasterIdLst>
-    <p:notesMasterId r:id="rId12"/>
+    <p:notesMasterId r:id="rId15"/>
   </p:notesMasterIdLst>
   <p:handoutMasterIdLst>
-    <p:handoutMasterId r:id="rId13"/>
+    <p:handoutMasterId r:id="rId16"/>
   </p:handoutMasterIdLst>
   <p:sldIdLst>
     <p:sldId id="2145706106" r:id="rId6"/>
-    <p:sldId id="2145706110" r:id="rId7"/>
-    <p:sldId id="2145706108" r:id="rId8"/>
-    <p:sldId id="2145706109" r:id="rId9"/>
-    <p:sldId id="2145706107" r:id="rId10"/>
-    <p:sldId id="2145706111" r:id="rId11"/>
+    <p:sldId id="2145706114" r:id="rId7"/>
+    <p:sldId id="2145706110" r:id="rId8"/>
+    <p:sldId id="2145706108" r:id="rId9"/>
+    <p:sldId id="2145706112" r:id="rId10"/>
+    <p:sldId id="2145706113" r:id="rId11"/>
+    <p:sldId id="2145706109" r:id="rId12"/>
+    <p:sldId id="2145706107" r:id="rId13"/>
+    <p:sldId id="2145706111" r:id="rId14"/>
   </p:sldIdLst>
   <p:sldSz cx="11522075" cy="6480175"/>
   <p:notesSz cx="6797675" cy="9928225"/>
   <p:custDataLst>
-    <p:tags r:id="rId14"/>
+    <p:tags r:id="rId17"/>
   </p:custDataLst>
   <p:defaultTextStyle>
     <a:defPPr>
@@ -125,8 +128,11 @@
         <p14:section name="AIS" id="{1D5095D5-6BEA-43F9-987B-AEC38D6E12F6}">
           <p14:sldIdLst>
             <p14:sldId id="2145706106"/>
+            <p14:sldId id="2145706114"/>
             <p14:sldId id="2145706110"/>
             <p14:sldId id="2145706108"/>
+            <p14:sldId id="2145706112"/>
+            <p14:sldId id="2145706113"/>
             <p14:sldId id="2145706109"/>
             <p14:sldId id="2145706107"/>
             <p14:sldId id="2145706111"/>
@@ -19200,6 +19206,160 @@
           <p:cNvPr id="3" name="Content Placeholder 2">
             <a:extLst>
               <a:ext uri="{FF2B5EF4-FFF2-40B4-BE49-F238E27FC236}">
+                <a16:creationId xmlns:a16="http://schemas.microsoft.com/office/drawing/2014/main" id="{99DB621F-6E42-4FA3-1688-294C95267C60}"/>
+              </a:ext>
+            </a:extLst>
+          </p:cNvPr>
+          <p:cNvSpPr>
+            <a:spLocks noGrp="1"/>
+          </p:cNvSpPr>
+          <p:nvPr>
+            <p:ph idx="1"/>
+          </p:nvPr>
+        </p:nvSpPr>
+        <p:spPr/>
+        <p:txBody>
+          <a:bodyPr/>
+          <a:lstStyle/>
+          <a:p>
+            <a:pPr marL="285750" indent="-285750">
+              <a:buFontTx/>
+              <a:buChar char="-"/>
+            </a:pPr>
+            <a:r>
+              <a:rPr lang="en-GB" dirty="0"/>
+              <a:t>91% of AI models degrade in production (</a:t>
+            </a:r>
+            <a:r>
+              <a:rPr lang="en-GB" dirty="0">
+                <a:hlinkClick r:id="rId2"/>
+              </a:rPr>
+              <a:t>Nature</a:t>
+            </a:r>
+            <a:r>
+              <a:rPr lang="en-GB" dirty="0"/>
+              <a:t>)</a:t>
+            </a:r>
+          </a:p>
+          <a:p>
+            <a:pPr marL="285750" indent="-285750">
+              <a:buFontTx/>
+              <a:buChar char="-"/>
+            </a:pPr>
+            <a:r>
+              <a:rPr lang="en-GB" dirty="0"/>
+              <a:t>Legislative requirements: bank institutions are required to use explainable models to prevent bias (e.g. against minorities)</a:t>
+            </a:r>
+          </a:p>
+          <a:p>
+            <a:pPr marL="285750" indent="-285750">
+              <a:buFontTx/>
+              <a:buChar char="-"/>
+            </a:pPr>
+            <a:r>
+              <a:rPr lang="en-GB" dirty="0"/>
+              <a:t>Model Diagnostics</a:t>
+            </a:r>
+          </a:p>
+          <a:p>
+            <a:pPr marL="285750" indent="-285750">
+              <a:buFontTx/>
+              <a:buChar char="-"/>
+            </a:pPr>
+            <a:endParaRPr lang="en-GB" dirty="0"/>
+          </a:p>
+          <a:p>
+            <a:pPr marL="285750" indent="-285750">
+              <a:buFontTx/>
+              <a:buChar char="-"/>
+            </a:pPr>
+            <a:endParaRPr lang="en-GB" dirty="0"/>
+          </a:p>
+          <a:p>
+            <a:pPr marL="285750" indent="-285750">
+              <a:buFontTx/>
+              <a:buChar char="-"/>
+            </a:pPr>
+            <a:endParaRPr lang="en-GB" dirty="0"/>
+          </a:p>
+        </p:txBody>
+      </p:sp>
+      <p:sp>
+        <p:nvSpPr>
+          <p:cNvPr id="2" name="Title 1">
+            <a:extLst>
+              <a:ext uri="{FF2B5EF4-FFF2-40B4-BE49-F238E27FC236}">
+                <a16:creationId xmlns:a16="http://schemas.microsoft.com/office/drawing/2014/main" id="{FF473203-399F-68EF-4852-321DD7FA0694}"/>
+              </a:ext>
+            </a:extLst>
+          </p:cNvPr>
+          <p:cNvSpPr>
+            <a:spLocks noGrp="1"/>
+          </p:cNvSpPr>
+          <p:nvPr>
+            <p:ph type="title"/>
+          </p:nvPr>
+        </p:nvSpPr>
+        <p:spPr/>
+        <p:txBody>
+          <a:bodyPr/>
+          <a:lstStyle/>
+          <a:p>
+            <a:r>
+              <a:rPr lang="en-GB" dirty="0"/>
+              <a:t>Why Explainable AI?</a:t>
+            </a:r>
+            <a:endParaRPr lang="cs-CZ" dirty="0"/>
+          </a:p>
+        </p:txBody>
+      </p:sp>
+    </p:spTree>
+    <p:extLst>
+      <p:ext uri="{BB962C8B-B14F-4D97-AF65-F5344CB8AC3E}">
+        <p14:creationId xmlns:p14="http://schemas.microsoft.com/office/powerpoint/2010/main" val="2625394373"/>
+      </p:ext>
+    </p:extLst>
+  </p:cSld>
+  <p:clrMapOvr>
+    <a:masterClrMapping/>
+  </p:clrMapOvr>
+  <mc:AlternateContent xmlns:mc="http://schemas.openxmlformats.org/markup-compatibility/2006" xmlns:p14="http://schemas.microsoft.com/office/powerpoint/2010/main">
+    <mc:Choice Requires="p14">
+      <p:transition spd="med" p14:dur="700">
+        <p:fade/>
+      </p:transition>
+    </mc:Choice>
+    <mc:Fallback xmlns="">
+      <p:transition spd="med">
+        <p:fade/>
+      </p:transition>
+    </mc:Fallback>
+  </mc:AlternateContent>
+</p:sld>
+</file>
+
+<file path=ppt/slides/slide3.xml><?xml version="1.0" encoding="utf-8"?>
+<p:sld xmlns:a="http://schemas.openxmlformats.org/drawingml/2006/main" xmlns:r="http://schemas.openxmlformats.org/officeDocument/2006/relationships" xmlns:p="http://schemas.openxmlformats.org/presentationml/2006/main">
+  <p:cSld>
+    <p:spTree>
+      <p:nvGrpSpPr>
+        <p:cNvPr id="1" name=""/>
+        <p:cNvGrpSpPr/>
+        <p:nvPr/>
+      </p:nvGrpSpPr>
+      <p:grpSpPr>
+        <a:xfrm>
+          <a:off x="0" y="0"/>
+          <a:ext cx="0" cy="0"/>
+          <a:chOff x="0" y="0"/>
+          <a:chExt cx="0" cy="0"/>
+        </a:xfrm>
+      </p:grpSpPr>
+      <p:sp>
+        <p:nvSpPr>
+          <p:cNvPr id="3" name="Content Placeholder 2">
+            <a:extLst>
+              <a:ext uri="{FF2B5EF4-FFF2-40B4-BE49-F238E27FC236}">
                 <a16:creationId xmlns:a16="http://schemas.microsoft.com/office/drawing/2014/main" id="{C8448F61-D78C-421D-8277-7D2014B0B660}"/>
               </a:ext>
             </a:extLst>
@@ -19238,7 +19398,7 @@
             </a:pPr>
             <a:r>
               <a:rPr lang="en-GB" dirty="0"/>
-              <a:t>Problem of differently scaled covariates </a:t>
+              <a:t>Problem of differently scaled covariates (dummy vars?)</a:t>
             </a:r>
           </a:p>
           <a:p>
@@ -19248,7 +19408,7 @@
             </a:pPr>
             <a:r>
               <a:rPr lang="en-GB" dirty="0"/>
-              <a:t>How about dummies if covariates are standardized?</a:t>
+              <a:t>Assumption of monotonous effect, linear relationships</a:t>
             </a:r>
           </a:p>
           <a:p>
@@ -19258,25 +19418,8 @@
             </a:pPr>
             <a:r>
               <a:rPr lang="en-GB" dirty="0"/>
-              <a:t>Assumption of monotonous effect, linear relationships</a:t>
-            </a:r>
-          </a:p>
-          <a:p>
-            <a:pPr marL="342900" indent="-342900">
-              <a:buFont typeface="Arial" panose="020B0604020202020204" pitchFamily="34" charset="0"/>
-              <a:buChar char="•"/>
-            </a:pPr>
-            <a:r>
-              <a:rPr lang="en-GB" dirty="0"/>
               <a:t>Adding interactions can be computationally costly</a:t>
             </a:r>
-          </a:p>
-          <a:p>
-            <a:pPr marL="342900" indent="-342900">
-              <a:buFont typeface="Arial" panose="020B0604020202020204" pitchFamily="34" charset="0"/>
-              <a:buChar char="•"/>
-            </a:pPr>
-            <a:endParaRPr lang="en-GB" dirty="0"/>
           </a:p>
           <a:p>
             <a:endParaRPr lang="en-GB" dirty="0"/>
@@ -19408,7 +19551,7 @@
 </p:sld>
 </file>
 
-<file path=ppt/slides/slide3.xml><?xml version="1.0" encoding="utf-8"?>
+<file path=ppt/slides/slide4.xml><?xml version="1.0" encoding="utf-8"?>
 <p:sld xmlns:a="http://schemas.openxmlformats.org/drawingml/2006/main" xmlns:r="http://schemas.openxmlformats.org/officeDocument/2006/relationships" xmlns:p="http://schemas.openxmlformats.org/presentationml/2006/main">
   <p:cSld>
     <p:spTree>
@@ -19441,7 +19584,12 @@
             <p:ph idx="1"/>
           </p:nvPr>
         </p:nvSpPr>
-        <p:spPr/>
+        <p:spPr>
+          <a:xfrm>
+            <a:off x="259434" y="1574357"/>
+            <a:ext cx="10698407" cy="4165131"/>
+          </a:xfrm>
+        </p:spPr>
         <p:txBody>
           <a:bodyPr/>
           <a:lstStyle/>
@@ -19478,7 +19626,7 @@
             </a:pPr>
             <a:r>
               <a:rPr lang="en-GB" dirty="0"/>
-              <a:t>Standard approach towards </a:t>
+              <a:t>Generally used approach towards </a:t>
             </a:r>
             <a:r>
               <a:rPr lang="en-GB" dirty="0" err="1"/>
@@ -19486,27 +19634,8 @@
             </a:r>
             <a:r>
               <a:rPr lang="en-GB" dirty="0"/>
-              <a:t> of complex models</a:t>
-            </a:r>
-          </a:p>
-          <a:p>
-            <a:pPr marL="285750" indent="-285750">
-              <a:buFontTx/>
-              <a:buChar char="-"/>
-            </a:pPr>
-            <a:r>
-              <a:rPr lang="en-GB" dirty="0"/>
-              <a:t>Based on “resampling” techniques over the whole sample given the observation </a:t>
-            </a:r>
-          </a:p>
-          <a:p>
-            <a:r>
-              <a:rPr lang="en-GB" dirty="0"/>
-              <a:t>	characteristics</a:t>
-            </a:r>
-          </a:p>
-          <a:p>
-            <a:endParaRPr lang="en-GB" dirty="0"/>
+              <a:t> (even of supposedly “black box” models)</a:t>
+            </a:r>
           </a:p>
           <a:p>
             <a:pPr marL="285750" indent="-285750">
@@ -19636,10 +19765,10 @@
       </p:sp>
       <p:pic>
         <p:nvPicPr>
-          <p:cNvPr id="13" name="Picture 12">
+          <p:cNvPr id="4" name="Picture 3">
             <a:extLst>
               <a:ext uri="{FF2B5EF4-FFF2-40B4-BE49-F238E27FC236}">
-                <a16:creationId xmlns:a16="http://schemas.microsoft.com/office/drawing/2014/main" id="{CE8986AF-9B1B-41E5-A5D7-86BB480401C5}"/>
+                <a16:creationId xmlns:a16="http://schemas.microsoft.com/office/drawing/2014/main" id="{40F7D6DD-A227-58D7-2189-DB8E48146E3A}"/>
               </a:ext>
             </a:extLst>
           </p:cNvPr>
@@ -19656,8 +19785,8 @@
         </p:blipFill>
         <p:spPr>
           <a:xfrm>
-            <a:off x="7816671" y="1263412"/>
-            <a:ext cx="3173504" cy="1652384"/>
+            <a:off x="6572993" y="3392488"/>
+            <a:ext cx="3725293" cy="2170073"/>
           </a:xfrm>
           <a:prstGeom prst="rect">
             <a:avLst/>
@@ -19689,7 +19818,725 @@
 </p:sld>
 </file>
 
-<file path=ppt/slides/slide4.xml><?xml version="1.0" encoding="utf-8"?>
+<file path=ppt/slides/slide5.xml><?xml version="1.0" encoding="utf-8"?>
+<p:sld xmlns:a="http://schemas.openxmlformats.org/drawingml/2006/main" xmlns:r="http://schemas.openxmlformats.org/officeDocument/2006/relationships" xmlns:p="http://schemas.openxmlformats.org/presentationml/2006/main">
+  <p:cSld>
+    <p:spTree>
+      <p:nvGrpSpPr>
+        <p:cNvPr id="1" name=""/>
+        <p:cNvGrpSpPr/>
+        <p:nvPr/>
+      </p:nvGrpSpPr>
+      <p:grpSpPr>
+        <a:xfrm>
+          <a:off x="0" y="0"/>
+          <a:ext cx="0" cy="0"/>
+          <a:chOff x="0" y="0"/>
+          <a:chExt cx="0" cy="0"/>
+        </a:xfrm>
+      </p:grpSpPr>
+      <p:pic>
+        <p:nvPicPr>
+          <p:cNvPr id="11" name="Content Placeholder 10">
+            <a:extLst>
+              <a:ext uri="{FF2B5EF4-FFF2-40B4-BE49-F238E27FC236}">
+                <a16:creationId xmlns:a16="http://schemas.microsoft.com/office/drawing/2014/main" id="{58672852-D80F-A7D0-2DCB-11E810A7AA7A}"/>
+              </a:ext>
+            </a:extLst>
+          </p:cNvPr>
+          <p:cNvPicPr>
+            <a:picLocks noGrp="1" noChangeAspect="1"/>
+          </p:cNvPicPr>
+          <p:nvPr>
+            <p:ph idx="1"/>
+          </p:nvPr>
+        </p:nvPicPr>
+        <p:blipFill>
+          <a:blip r:embed="rId2"/>
+          <a:stretch>
+            <a:fillRect/>
+          </a:stretch>
+        </p:blipFill>
+        <p:spPr>
+          <a:xfrm>
+            <a:off x="4264629" y="4203576"/>
+            <a:ext cx="3482303" cy="1009183"/>
+          </a:xfrm>
+        </p:spPr>
+      </p:pic>
+      <p:sp>
+        <p:nvSpPr>
+          <p:cNvPr id="3" name="Title 2">
+            <a:extLst>
+              <a:ext uri="{FF2B5EF4-FFF2-40B4-BE49-F238E27FC236}">
+                <a16:creationId xmlns:a16="http://schemas.microsoft.com/office/drawing/2014/main" id="{AA2A4860-EDC4-DFC0-C549-525D25F331F2}"/>
+              </a:ext>
+            </a:extLst>
+          </p:cNvPr>
+          <p:cNvSpPr>
+            <a:spLocks noGrp="1"/>
+          </p:cNvSpPr>
+          <p:nvPr>
+            <p:ph type="title"/>
+          </p:nvPr>
+        </p:nvSpPr>
+        <p:spPr/>
+        <p:txBody>
+          <a:bodyPr/>
+          <a:lstStyle/>
+          <a:p>
+            <a:r>
+              <a:rPr lang="en-GB" dirty="0"/>
+              <a:t>Shapley values – original concept</a:t>
+            </a:r>
+            <a:br>
+              <a:rPr lang="en-GB" dirty="0"/>
+            </a:br>
+            <a:br>
+              <a:rPr lang="en-GB" dirty="0"/>
+            </a:br>
+            <a:r>
+              <a:rPr lang="en-GB" sz="2400" dirty="0">
+                <a:solidFill>
+                  <a:srgbClr val="F2F2F2"/>
+                </a:solidFill>
+                <a:latin typeface="+mn-lt"/>
+              </a:rPr>
+              <a:t>Suppose you want to evaluate, how much did 4 workers contribute to the outcome to   fairly distribute their compensation:</a:t>
+            </a:r>
+            <a:br>
+              <a:rPr lang="en-GB" dirty="0"/>
+            </a:br>
+            <a:br>
+              <a:rPr lang="en-GB" dirty="0"/>
+            </a:br>
+            <a:br>
+              <a:rPr lang="en-GB" dirty="0"/>
+            </a:br>
+            <a:endParaRPr lang="cs-CZ" dirty="0"/>
+          </a:p>
+        </p:txBody>
+      </p:sp>
+      <p:pic>
+        <p:nvPicPr>
+          <p:cNvPr id="5" name="Picture 4">
+            <a:extLst>
+              <a:ext uri="{FF2B5EF4-FFF2-40B4-BE49-F238E27FC236}">
+                <a16:creationId xmlns:a16="http://schemas.microsoft.com/office/drawing/2014/main" id="{1FAF4C98-9EE1-D5E7-62F8-0DAD5EE68928}"/>
+              </a:ext>
+            </a:extLst>
+          </p:cNvPr>
+          <p:cNvPicPr>
+            <a:picLocks noChangeAspect="1"/>
+          </p:cNvPicPr>
+          <p:nvPr/>
+        </p:nvPicPr>
+        <p:blipFill>
+          <a:blip r:embed="rId3"/>
+          <a:stretch>
+            <a:fillRect/>
+          </a:stretch>
+        </p:blipFill>
+        <p:spPr>
+          <a:xfrm>
+            <a:off x="411478" y="2085801"/>
+            <a:ext cx="3548987" cy="1786402"/>
+          </a:xfrm>
+          <a:prstGeom prst="rect">
+            <a:avLst/>
+          </a:prstGeom>
+        </p:spPr>
+      </p:pic>
+      <p:pic>
+        <p:nvPicPr>
+          <p:cNvPr id="7" name="Picture 6">
+            <a:extLst>
+              <a:ext uri="{FF2B5EF4-FFF2-40B4-BE49-F238E27FC236}">
+                <a16:creationId xmlns:a16="http://schemas.microsoft.com/office/drawing/2014/main" id="{9D7F4463-0F20-68E3-B9D5-54F919A56492}"/>
+              </a:ext>
+            </a:extLst>
+          </p:cNvPr>
+          <p:cNvPicPr>
+            <a:picLocks noChangeAspect="1"/>
+          </p:cNvPicPr>
+          <p:nvPr/>
+        </p:nvPicPr>
+        <p:blipFill>
+          <a:blip r:embed="rId4"/>
+          <a:stretch>
+            <a:fillRect/>
+          </a:stretch>
+        </p:blipFill>
+        <p:spPr>
+          <a:xfrm>
+            <a:off x="4264629" y="2085801"/>
+            <a:ext cx="3482303" cy="1786402"/>
+          </a:xfrm>
+          <a:prstGeom prst="rect">
+            <a:avLst/>
+          </a:prstGeom>
+        </p:spPr>
+      </p:pic>
+      <p:pic>
+        <p:nvPicPr>
+          <p:cNvPr id="9" name="Picture 8">
+            <a:extLst>
+              <a:ext uri="{FF2B5EF4-FFF2-40B4-BE49-F238E27FC236}">
+                <a16:creationId xmlns:a16="http://schemas.microsoft.com/office/drawing/2014/main" id="{6C9AA4F1-05C5-6E2E-94A7-5FBFB64766BC}"/>
+              </a:ext>
+            </a:extLst>
+          </p:cNvPr>
+          <p:cNvPicPr>
+            <a:picLocks noChangeAspect="1"/>
+          </p:cNvPicPr>
+          <p:nvPr/>
+        </p:nvPicPr>
+        <p:blipFill>
+          <a:blip r:embed="rId5"/>
+          <a:stretch>
+            <a:fillRect/>
+          </a:stretch>
+        </p:blipFill>
+        <p:spPr>
+          <a:xfrm>
+            <a:off x="8051096" y="2085801"/>
+            <a:ext cx="3120780" cy="1786402"/>
+          </a:xfrm>
+          <a:prstGeom prst="rect">
+            <a:avLst/>
+          </a:prstGeom>
+        </p:spPr>
+      </p:pic>
+      <p:pic>
+        <p:nvPicPr>
+          <p:cNvPr id="13" name="Picture 12">
+            <a:extLst>
+              <a:ext uri="{FF2B5EF4-FFF2-40B4-BE49-F238E27FC236}">
+                <a16:creationId xmlns:a16="http://schemas.microsoft.com/office/drawing/2014/main" id="{3E500856-CE36-BB49-6BAB-13DC8D26D200}"/>
+              </a:ext>
+            </a:extLst>
+          </p:cNvPr>
+          <p:cNvPicPr>
+            <a:picLocks noChangeAspect="1"/>
+          </p:cNvPicPr>
+          <p:nvPr/>
+        </p:nvPicPr>
+        <p:blipFill>
+          <a:blip r:embed="rId6"/>
+          <a:stretch>
+            <a:fillRect/>
+          </a:stretch>
+        </p:blipFill>
+        <p:spPr>
+          <a:xfrm>
+            <a:off x="4264629" y="5278023"/>
+            <a:ext cx="3494692" cy="961499"/>
+          </a:xfrm>
+          <a:prstGeom prst="rect">
+            <a:avLst/>
+          </a:prstGeom>
+        </p:spPr>
+      </p:pic>
+    </p:spTree>
+    <p:extLst>
+      <p:ext uri="{BB962C8B-B14F-4D97-AF65-F5344CB8AC3E}">
+        <p14:creationId xmlns:p14="http://schemas.microsoft.com/office/powerpoint/2010/main" val="1915860478"/>
+      </p:ext>
+    </p:extLst>
+  </p:cSld>
+  <p:clrMapOvr>
+    <a:masterClrMapping/>
+  </p:clrMapOvr>
+  <mc:AlternateContent xmlns:mc="http://schemas.openxmlformats.org/markup-compatibility/2006" xmlns:p14="http://schemas.microsoft.com/office/powerpoint/2010/main">
+    <mc:Choice Requires="p14">
+      <p:transition spd="med" p14:dur="700">
+        <p:fade/>
+      </p:transition>
+    </mc:Choice>
+    <mc:Fallback xmlns="">
+      <p:transition spd="med">
+        <p:fade/>
+      </p:transition>
+    </mc:Fallback>
+  </mc:AlternateContent>
+  <p:timing>
+    <p:tnLst>
+      <p:par>
+        <p:cTn id="1" dur="indefinite" restart="never" nodeType="tmRoot">
+          <p:childTnLst>
+            <p:seq concurrent="1" nextAc="seek">
+              <p:cTn id="2" dur="indefinite" nodeType="mainSeq">
+                <p:childTnLst>
+                  <p:par>
+                    <p:cTn id="3" fill="hold">
+                      <p:stCondLst>
+                        <p:cond delay="indefinite"/>
+                      </p:stCondLst>
+                      <p:childTnLst>
+                        <p:par>
+                          <p:cTn id="4" fill="hold">
+                            <p:stCondLst>
+                              <p:cond delay="0"/>
+                            </p:stCondLst>
+                            <p:childTnLst>
+                              <p:par>
+                                <p:cTn id="5" presetID="1" presetClass="entr" presetSubtype="0" fill="hold" nodeType="clickEffect">
+                                  <p:stCondLst>
+                                    <p:cond delay="0"/>
+                                  </p:stCondLst>
+                                  <p:childTnLst>
+                                    <p:set>
+                                      <p:cBhvr>
+                                        <p:cTn id="6" dur="1" fill="hold">
+                                          <p:stCondLst>
+                                            <p:cond delay="0"/>
+                                          </p:stCondLst>
+                                        </p:cTn>
+                                        <p:tgtEl>
+                                          <p:spTgt spid="5"/>
+                                        </p:tgtEl>
+                                        <p:attrNameLst>
+                                          <p:attrName>style.visibility</p:attrName>
+                                        </p:attrNameLst>
+                                      </p:cBhvr>
+                                      <p:to>
+                                        <p:strVal val="visible"/>
+                                      </p:to>
+                                    </p:set>
+                                  </p:childTnLst>
+                                </p:cTn>
+                              </p:par>
+                            </p:childTnLst>
+                          </p:cTn>
+                        </p:par>
+                      </p:childTnLst>
+                    </p:cTn>
+                  </p:par>
+                  <p:par>
+                    <p:cTn id="7" fill="hold">
+                      <p:stCondLst>
+                        <p:cond delay="indefinite"/>
+                      </p:stCondLst>
+                      <p:childTnLst>
+                        <p:par>
+                          <p:cTn id="8" fill="hold">
+                            <p:stCondLst>
+                              <p:cond delay="0"/>
+                            </p:stCondLst>
+                            <p:childTnLst>
+                              <p:par>
+                                <p:cTn id="9" presetID="1" presetClass="entr" presetSubtype="0" fill="hold" nodeType="clickEffect">
+                                  <p:stCondLst>
+                                    <p:cond delay="0"/>
+                                  </p:stCondLst>
+                                  <p:childTnLst>
+                                    <p:set>
+                                      <p:cBhvr>
+                                        <p:cTn id="10" dur="1" fill="hold">
+                                          <p:stCondLst>
+                                            <p:cond delay="0"/>
+                                          </p:stCondLst>
+                                        </p:cTn>
+                                        <p:tgtEl>
+                                          <p:spTgt spid="7"/>
+                                        </p:tgtEl>
+                                        <p:attrNameLst>
+                                          <p:attrName>style.visibility</p:attrName>
+                                        </p:attrNameLst>
+                                      </p:cBhvr>
+                                      <p:to>
+                                        <p:strVal val="visible"/>
+                                      </p:to>
+                                    </p:set>
+                                  </p:childTnLst>
+                                </p:cTn>
+                              </p:par>
+                            </p:childTnLst>
+                          </p:cTn>
+                        </p:par>
+                      </p:childTnLst>
+                    </p:cTn>
+                  </p:par>
+                  <p:par>
+                    <p:cTn id="11" fill="hold">
+                      <p:stCondLst>
+                        <p:cond delay="indefinite"/>
+                      </p:stCondLst>
+                      <p:childTnLst>
+                        <p:par>
+                          <p:cTn id="12" fill="hold">
+                            <p:stCondLst>
+                              <p:cond delay="0"/>
+                            </p:stCondLst>
+                            <p:childTnLst>
+                              <p:par>
+                                <p:cTn id="13" presetID="1" presetClass="entr" presetSubtype="0" fill="hold" nodeType="clickEffect">
+                                  <p:stCondLst>
+                                    <p:cond delay="0"/>
+                                  </p:stCondLst>
+                                  <p:childTnLst>
+                                    <p:set>
+                                      <p:cBhvr>
+                                        <p:cTn id="14" dur="1" fill="hold">
+                                          <p:stCondLst>
+                                            <p:cond delay="0"/>
+                                          </p:stCondLst>
+                                        </p:cTn>
+                                        <p:tgtEl>
+                                          <p:spTgt spid="9"/>
+                                        </p:tgtEl>
+                                        <p:attrNameLst>
+                                          <p:attrName>style.visibility</p:attrName>
+                                        </p:attrNameLst>
+                                      </p:cBhvr>
+                                      <p:to>
+                                        <p:strVal val="visible"/>
+                                      </p:to>
+                                    </p:set>
+                                  </p:childTnLst>
+                                </p:cTn>
+                              </p:par>
+                            </p:childTnLst>
+                          </p:cTn>
+                        </p:par>
+                      </p:childTnLst>
+                    </p:cTn>
+                  </p:par>
+                  <p:par>
+                    <p:cTn id="15" fill="hold">
+                      <p:stCondLst>
+                        <p:cond delay="indefinite"/>
+                      </p:stCondLst>
+                      <p:childTnLst>
+                        <p:par>
+                          <p:cTn id="16" fill="hold">
+                            <p:stCondLst>
+                              <p:cond delay="0"/>
+                            </p:stCondLst>
+                            <p:childTnLst>
+                              <p:par>
+                                <p:cTn id="17" presetID="1" presetClass="entr" presetSubtype="0" fill="hold" nodeType="clickEffect">
+                                  <p:stCondLst>
+                                    <p:cond delay="0"/>
+                                  </p:stCondLst>
+                                  <p:childTnLst>
+                                    <p:set>
+                                      <p:cBhvr>
+                                        <p:cTn id="18" dur="1" fill="hold">
+                                          <p:stCondLst>
+                                            <p:cond delay="0"/>
+                                          </p:stCondLst>
+                                        </p:cTn>
+                                        <p:tgtEl>
+                                          <p:spTgt spid="11"/>
+                                        </p:tgtEl>
+                                        <p:attrNameLst>
+                                          <p:attrName>style.visibility</p:attrName>
+                                        </p:attrNameLst>
+                                      </p:cBhvr>
+                                      <p:to>
+                                        <p:strVal val="visible"/>
+                                      </p:to>
+                                    </p:set>
+                                  </p:childTnLst>
+                                </p:cTn>
+                              </p:par>
+                            </p:childTnLst>
+                          </p:cTn>
+                        </p:par>
+                      </p:childTnLst>
+                    </p:cTn>
+                  </p:par>
+                  <p:par>
+                    <p:cTn id="19" fill="hold">
+                      <p:stCondLst>
+                        <p:cond delay="indefinite"/>
+                      </p:stCondLst>
+                      <p:childTnLst>
+                        <p:par>
+                          <p:cTn id="20" fill="hold">
+                            <p:stCondLst>
+                              <p:cond delay="0"/>
+                            </p:stCondLst>
+                            <p:childTnLst>
+                              <p:par>
+                                <p:cTn id="21" presetID="1" presetClass="entr" presetSubtype="0" fill="hold" nodeType="clickEffect">
+                                  <p:stCondLst>
+                                    <p:cond delay="0"/>
+                                  </p:stCondLst>
+                                  <p:childTnLst>
+                                    <p:set>
+                                      <p:cBhvr>
+                                        <p:cTn id="22" dur="1" fill="hold">
+                                          <p:stCondLst>
+                                            <p:cond delay="0"/>
+                                          </p:stCondLst>
+                                        </p:cTn>
+                                        <p:tgtEl>
+                                          <p:spTgt spid="13"/>
+                                        </p:tgtEl>
+                                        <p:attrNameLst>
+                                          <p:attrName>style.visibility</p:attrName>
+                                        </p:attrNameLst>
+                                      </p:cBhvr>
+                                      <p:to>
+                                        <p:strVal val="visible"/>
+                                      </p:to>
+                                    </p:set>
+                                  </p:childTnLst>
+                                </p:cTn>
+                              </p:par>
+                            </p:childTnLst>
+                          </p:cTn>
+                        </p:par>
+                      </p:childTnLst>
+                    </p:cTn>
+                  </p:par>
+                </p:childTnLst>
+              </p:cTn>
+              <p:prevCondLst>
+                <p:cond evt="onPrev" delay="0">
+                  <p:tgtEl>
+                    <p:sldTgt/>
+                  </p:tgtEl>
+                </p:cond>
+              </p:prevCondLst>
+              <p:nextCondLst>
+                <p:cond evt="onNext" delay="0">
+                  <p:tgtEl>
+                    <p:sldTgt/>
+                  </p:tgtEl>
+                </p:cond>
+              </p:nextCondLst>
+            </p:seq>
+          </p:childTnLst>
+        </p:cTn>
+      </p:par>
+    </p:tnLst>
+  </p:timing>
+</p:sld>
+</file>
+
+<file path=ppt/slides/slide6.xml><?xml version="1.0" encoding="utf-8"?>
+<p:sld xmlns:a="http://schemas.openxmlformats.org/drawingml/2006/main" xmlns:r="http://schemas.openxmlformats.org/officeDocument/2006/relationships" xmlns:p="http://schemas.openxmlformats.org/presentationml/2006/main">
+  <p:cSld>
+    <p:spTree>
+      <p:nvGrpSpPr>
+        <p:cNvPr id="1" name=""/>
+        <p:cNvGrpSpPr/>
+        <p:nvPr/>
+      </p:nvGrpSpPr>
+      <p:grpSpPr>
+        <a:xfrm>
+          <a:off x="0" y="0"/>
+          <a:ext cx="0" cy="0"/>
+          <a:chOff x="0" y="0"/>
+          <a:chExt cx="0" cy="0"/>
+        </a:xfrm>
+      </p:grpSpPr>
+      <p:sp>
+        <p:nvSpPr>
+          <p:cNvPr id="2" name="Content Placeholder 1">
+            <a:extLst>
+              <a:ext uri="{FF2B5EF4-FFF2-40B4-BE49-F238E27FC236}">
+                <a16:creationId xmlns:a16="http://schemas.microsoft.com/office/drawing/2014/main" id="{025049CB-CAE7-A8DB-8CA2-EAB587DB88C0}"/>
+              </a:ext>
+            </a:extLst>
+          </p:cNvPr>
+          <p:cNvSpPr>
+            <a:spLocks noGrp="1"/>
+          </p:cNvSpPr>
+          <p:nvPr>
+            <p:ph idx="1"/>
+          </p:nvPr>
+        </p:nvSpPr>
+        <p:spPr/>
+        <p:txBody>
+          <a:bodyPr/>
+          <a:lstStyle/>
+          <a:p>
+            <a:pPr marL="285750" indent="-285750">
+              <a:buFontTx/>
+              <a:buChar char="-"/>
+            </a:pPr>
+            <a:r>
+              <a:rPr lang="en-GB" dirty="0" err="1"/>
+              <a:t>KernelExplainer</a:t>
+            </a:r>
+            <a:r>
+              <a:rPr lang="en-GB" dirty="0"/>
+              <a:t>: all models, actually a SHAP’s own specification of another algorithm - </a:t>
+            </a:r>
+            <a:r>
+              <a:rPr lang="en-GB" dirty="0">
+                <a:hlinkClick r:id="rId2"/>
+              </a:rPr>
+              <a:t>LIME</a:t>
+            </a:r>
+            <a:endParaRPr lang="en-GB" dirty="0"/>
+          </a:p>
+          <a:p>
+            <a:pPr marL="285750" indent="-285750">
+              <a:buFontTx/>
+              <a:buChar char="-"/>
+            </a:pPr>
+            <a:r>
+              <a:rPr lang="en-GB" dirty="0" err="1"/>
+              <a:t>TreeExplainer</a:t>
+            </a:r>
+            <a:r>
+              <a:rPr lang="en-GB" dirty="0"/>
+              <a:t>: tree-based methods; uses averaging over missing features of all models trained in the process</a:t>
+            </a:r>
+          </a:p>
+          <a:p>
+            <a:pPr marL="285750" indent="-285750">
+              <a:buFontTx/>
+              <a:buChar char="-"/>
+            </a:pPr>
+            <a:r>
+              <a:rPr lang="en-GB" dirty="0" err="1"/>
+              <a:t>DeepExplainer</a:t>
+            </a:r>
+            <a:r>
+              <a:rPr lang="en-GB" dirty="0"/>
+              <a:t>: deep-learning; back-propagation of SHAP values analytically calculated for many NN components using </a:t>
+            </a:r>
+            <a:r>
+              <a:rPr lang="en-GB" dirty="0" err="1">
+                <a:hlinkClick r:id="rId3"/>
+              </a:rPr>
+              <a:t>DeepLIFT</a:t>
+            </a:r>
+            <a:endParaRPr lang="en-GB" dirty="0"/>
+          </a:p>
+          <a:p>
+            <a:pPr marL="285750" indent="-285750">
+              <a:buFontTx/>
+              <a:buChar char="-"/>
+            </a:pPr>
+            <a:r>
+              <a:rPr lang="en-GB" dirty="0"/>
+              <a:t> SHAP values satisfy 3 important conditions:</a:t>
+            </a:r>
+          </a:p>
+          <a:p>
+            <a:pPr marL="528017" lvl="2" indent="-342900">
+              <a:buFont typeface="+mj-lt"/>
+              <a:buAutoNum type="arabicPeriod"/>
+            </a:pPr>
+            <a:r>
+              <a:rPr lang="en-GB" dirty="0">
+                <a:solidFill>
+                  <a:srgbClr val="E20074"/>
+                </a:solidFill>
+              </a:rPr>
+              <a:t>Local Accuracy: </a:t>
+            </a:r>
+            <a:r>
+              <a:rPr lang="en-GB" dirty="0"/>
+              <a:t>asymptotically the effect of an estimated local effect should be equal to the actual one</a:t>
+            </a:r>
+          </a:p>
+          <a:p>
+            <a:pPr marL="528017" lvl="2" indent="-342900">
+              <a:buFont typeface="+mj-lt"/>
+              <a:buAutoNum type="arabicPeriod"/>
+            </a:pPr>
+            <a:r>
+              <a:rPr lang="en-GB" dirty="0">
+                <a:solidFill>
+                  <a:srgbClr val="E20074"/>
+                </a:solidFill>
+              </a:rPr>
+              <a:t>Missingness: </a:t>
+            </a:r>
+            <a:r>
+              <a:rPr lang="en-GB" dirty="0"/>
+              <a:t>the SHAP value of a 0 contribution is 0</a:t>
+            </a:r>
+          </a:p>
+          <a:p>
+            <a:pPr marL="528017" lvl="2" indent="-342900">
+              <a:buFont typeface="+mj-lt"/>
+              <a:buAutoNum type="arabicPeriod"/>
+            </a:pPr>
+            <a:r>
+              <a:rPr lang="en-GB" dirty="0">
+                <a:solidFill>
+                  <a:srgbClr val="E20074"/>
+                </a:solidFill>
+              </a:rPr>
+              <a:t>Consistency: </a:t>
+            </a:r>
+            <a:r>
+              <a:rPr lang="en-GB" dirty="0"/>
+              <a:t>feature effect moves in the same direction as the change of feature contribution</a:t>
+            </a:r>
+          </a:p>
+          <a:p>
+            <a:pPr lvl="2" indent="0">
+              <a:buNone/>
+            </a:pPr>
+            <a:endParaRPr lang="en-GB" dirty="0"/>
+          </a:p>
+        </p:txBody>
+      </p:sp>
+      <p:sp>
+        <p:nvSpPr>
+          <p:cNvPr id="3" name="Title 2">
+            <a:extLst>
+              <a:ext uri="{FF2B5EF4-FFF2-40B4-BE49-F238E27FC236}">
+                <a16:creationId xmlns:a16="http://schemas.microsoft.com/office/drawing/2014/main" id="{22E67D4A-CE0F-C4B9-95FE-E6EB143BB77D}"/>
+              </a:ext>
+            </a:extLst>
+          </p:cNvPr>
+          <p:cNvSpPr>
+            <a:spLocks noGrp="1"/>
+          </p:cNvSpPr>
+          <p:nvPr>
+            <p:ph type="title"/>
+          </p:nvPr>
+        </p:nvSpPr>
+        <p:spPr/>
+        <p:txBody>
+          <a:bodyPr/>
+          <a:lstStyle/>
+          <a:p>
+            <a:r>
+              <a:rPr lang="en-GB" dirty="0"/>
+              <a:t>SHAP Explainer Algorithms</a:t>
+            </a:r>
+            <a:endParaRPr lang="cs-CZ" dirty="0"/>
+          </a:p>
+        </p:txBody>
+      </p:sp>
+    </p:spTree>
+    <p:extLst>
+      <p:ext uri="{BB962C8B-B14F-4D97-AF65-F5344CB8AC3E}">
+        <p14:creationId xmlns:p14="http://schemas.microsoft.com/office/powerpoint/2010/main" val="1547877835"/>
+      </p:ext>
+    </p:extLst>
+  </p:cSld>
+  <p:clrMapOvr>
+    <a:masterClrMapping/>
+  </p:clrMapOvr>
+  <mc:AlternateContent xmlns:mc="http://schemas.openxmlformats.org/markup-compatibility/2006" xmlns:p14="http://schemas.microsoft.com/office/powerpoint/2010/main">
+    <mc:Choice Requires="p14">
+      <p:transition spd="med" p14:dur="700">
+        <p:fade/>
+      </p:transition>
+    </mc:Choice>
+    <mc:Fallback xmlns="">
+      <p:transition spd="med">
+        <p:fade/>
+      </p:transition>
+    </mc:Fallback>
+  </mc:AlternateContent>
+</p:sld>
+</file>
+
+<file path=ppt/slides/slide7.xml><?xml version="1.0" encoding="utf-8"?>
 <p:sld xmlns:a="http://schemas.openxmlformats.org/drawingml/2006/main" xmlns:r="http://schemas.openxmlformats.org/officeDocument/2006/relationships" xmlns:p="http://schemas.openxmlformats.org/presentationml/2006/main">
   <p:cSld>
     <p:spTree>
@@ -19782,7 +20629,7 @@
             </a:pPr>
             <a:r>
               <a:rPr lang="en-GB" dirty="0"/>
-              <a:t>Allows non-linear effects</a:t>
+              <a:t>Allows for non-linear effects</a:t>
             </a:r>
           </a:p>
           <a:p>
@@ -19792,7 +20639,7 @@
             </a:pPr>
             <a:r>
               <a:rPr lang="en-GB" dirty="0"/>
-              <a:t>Possible even for complex models</a:t>
+              <a:t>Computable even for complex models</a:t>
             </a:r>
             <a:endParaRPr lang="cs-CZ" dirty="0"/>
           </a:p>
@@ -19825,16 +20672,12 @@
               <a:t> 2</a:t>
             </a:r>
             <a:r>
+              <a:rPr lang="en-GB" baseline="30000" dirty="0"/>
+              <a:t>n features </a:t>
+            </a:r>
+            <a:r>
               <a:rPr lang="en-GB" dirty="0"/>
-              <a:t>^</a:t>
-            </a:r>
-            <a:r>
-              <a:rPr lang="en-GB" dirty="0" err="1"/>
-              <a:t>n_FEATURES</a:t>
-            </a:r>
-            <a:r>
-              <a:rPr lang="en-GB" dirty="0"/>
-              <a:t> models → Approximations</a:t>
+              <a:t>models → Approximations </a:t>
             </a:r>
           </a:p>
           <a:p>
@@ -19844,7 +20687,7 @@
             </a:pPr>
             <a:r>
               <a:rPr lang="en-GB" dirty="0"/>
-              <a:t>Non applicable under autocorrelation (please correct me if I’m wrong)</a:t>
+              <a:t>Uses resampling -&gt; not applicable for autocorrelated data sets</a:t>
             </a:r>
           </a:p>
           <a:p>
@@ -19946,7 +20789,7 @@
 </p:sld>
 </file>
 
-<file path=ppt/slides/slide5.xml><?xml version="1.0" encoding="utf-8"?>
+<file path=ppt/slides/slide8.xml><?xml version="1.0" encoding="utf-8"?>
 <p:sld xmlns:a="http://schemas.openxmlformats.org/drawingml/2006/main" xmlns:r="http://schemas.openxmlformats.org/officeDocument/2006/relationships" xmlns:p="http://schemas.openxmlformats.org/presentationml/2006/main">
   <p:cSld>
     <p:spTree>
@@ -20005,7 +20848,7 @@
             </a:pPr>
             <a:r>
               <a:rPr lang="en-GB" dirty="0"/>
-              <a:t>Employs SHAP values and standard metrics for multiple </a:t>
+              <a:t>Employs SHAP values and standard metrics for multiple “</a:t>
             </a:r>
             <a:r>
               <a:rPr lang="en-GB" dirty="0" err="1"/>
@@ -20013,7 +20856,7 @@
             </a:r>
             <a:r>
               <a:rPr lang="en-GB" dirty="0"/>
-              <a:t>-type models</a:t>
+              <a:t>-type” models</a:t>
             </a:r>
           </a:p>
           <a:p>
@@ -20079,7 +20922,7 @@
         </p:blipFill>
         <p:spPr>
           <a:xfrm>
-            <a:off x="7022032" y="4025957"/>
+            <a:off x="6960038" y="4560773"/>
             <a:ext cx="3492372" cy="1320751"/>
           </a:xfrm>
           <a:prstGeom prst="rect">
@@ -20101,7 +20944,7 @@
         </p:nvSpPr>
         <p:spPr bwMode="gray">
           <a:xfrm>
-            <a:off x="7022032" y="1999372"/>
+            <a:off x="6960038" y="2528133"/>
             <a:ext cx="3492372" cy="1885617"/>
           </a:xfrm>
           <a:prstGeom prst="rect">
@@ -20163,7 +21006,7 @@
         </p:blipFill>
         <p:spPr>
           <a:xfrm>
-            <a:off x="7270346" y="2091044"/>
+            <a:off x="7270346" y="2620049"/>
             <a:ext cx="2995743" cy="1612708"/>
           </a:xfrm>
           <a:prstGeom prst="rect">
@@ -20196,7 +21039,7 @@
 </p:sld>
 </file>
 
-<file path=ppt/slides/slide6.xml><?xml version="1.0" encoding="utf-8"?>
+<file path=ppt/slides/slide9.xml><?xml version="1.0" encoding="utf-8"?>
 <p:sld xmlns:a="http://schemas.openxmlformats.org/drawingml/2006/main" xmlns:r="http://schemas.openxmlformats.org/officeDocument/2006/relationships" xmlns:p="http://schemas.openxmlformats.org/presentationml/2006/main">
   <p:cSld>
     <p:spTree>
@@ -20265,7 +21108,7 @@
           <a:p>
             <a:r>
               <a:rPr lang="en-GB" dirty="0"/>
-              <a:t>Further resources</a:t>
+              <a:t>DEMO TIME!</a:t>
             </a:r>
             <a:endParaRPr lang="cs-CZ" dirty="0"/>
           </a:p>
@@ -21514,6 +22357,26 @@
 </file>
 
 <file path=customXml/item1.xml><?xml version="1.0" encoding="utf-8"?>
+<p:properties xmlns:p="http://schemas.microsoft.com/office/2006/metadata/properties" xmlns:xsi="http://www.w3.org/2001/XMLSchema-instance" xmlns:pc="http://schemas.microsoft.com/office/infopath/2007/PartnerControls">
+  <documentManagement>
+    <lcf76f155ced4ddcb4097134ff3c332f xmlns="d3941db7-e847-4eec-93a0-2a73614400cd">
+      <Terms xmlns="http://schemas.microsoft.com/office/infopath/2007/PartnerControls"/>
+    </lcf76f155ced4ddcb4097134ff3c332f>
+    <TaxCatchAll xmlns="cca428f8-9d0f-452b-a6c3-d925fc6099da" xsi:nil="true"/>
+  </documentManagement>
+</p:properties>
+</file>
+
+<file path=customXml/item2.xml><?xml version="1.0" encoding="utf-8"?>
+<?mso-contentType ?>
+<FormTemplates xmlns="http://schemas.microsoft.com/sharepoint/v3/contenttype/forms">
+  <Display>DocumentLibraryForm</Display>
+  <Edit>DocumentLibraryForm</Edit>
+  <New>DocumentLibraryForm</New>
+</FormTemplates>
+</file>
+
+<file path=customXml/item3.xml><?xml version="1.0" encoding="utf-8"?>
 <ct:contentTypeSchema xmlns:ct="http://schemas.microsoft.com/office/2006/metadata/contentType" xmlns:ma="http://schemas.microsoft.com/office/2006/metadata/properties/metaAttributes" ct:_="" ma:_="" ma:contentTypeName="Dokument" ma:contentTypeID="0x010100C7733A76DD1E2446AB55320AB4D9A861" ma:contentTypeVersion="16" ma:contentTypeDescription="Ein neues Dokument erstellen." ma:contentTypeScope="" ma:versionID="21df5c9b64ec3d9bf0d32b7e5ca468ca">
   <xsd:schema xmlns:xsd="http://www.w3.org/2001/XMLSchema" xmlns:xs="http://www.w3.org/2001/XMLSchema" xmlns:p="http://schemas.microsoft.com/office/2006/metadata/properties" xmlns:ns2="d3941db7-e847-4eec-93a0-2a73614400cd" xmlns:ns3="cca428f8-9d0f-452b-a6c3-d925fc6099da" targetNamespace="http://schemas.microsoft.com/office/2006/metadata/properties" ma:root="true" ma:fieldsID="33ef96356ee86504e68d45e1a5ea811c" ns2:_="" ns3:_="">
     <xsd:import namespace="d3941db7-e847-4eec-93a0-2a73614400cd"/>
@@ -21756,27 +22619,26 @@
 </ct:contentTypeSchema>
 </file>
 
-<file path=customXml/item2.xml><?xml version="1.0" encoding="utf-8"?>
-<?mso-contentType ?>
-<FormTemplates xmlns="http://schemas.microsoft.com/sharepoint/v3/contenttype/forms">
-  <Display>DocumentLibraryForm</Display>
-  <Edit>DocumentLibraryForm</Edit>
-  <New>DocumentLibraryForm</New>
-</FormTemplates>
+<file path=customXml/itemProps1.xml><?xml version="1.0" encoding="utf-8"?>
+<ds:datastoreItem xmlns:ds="http://schemas.openxmlformats.org/officeDocument/2006/customXml" ds:itemID="{34B2DECD-4BBE-4C18-8387-A6BE446CC22E}">
+  <ds:schemaRefs>
+    <ds:schemaRef ds:uri="http://schemas.microsoft.com/office/2006/metadata/properties"/>
+    <ds:schemaRef ds:uri="http://schemas.microsoft.com/office/infopath/2007/PartnerControls"/>
+    <ds:schemaRef ds:uri="d3941db7-e847-4eec-93a0-2a73614400cd"/>
+    <ds:schemaRef ds:uri="cca428f8-9d0f-452b-a6c3-d925fc6099da"/>
+  </ds:schemaRefs>
+</ds:datastoreItem>
 </file>
 
-<file path=customXml/item3.xml><?xml version="1.0" encoding="utf-8"?>
-<p:properties xmlns:p="http://schemas.microsoft.com/office/2006/metadata/properties" xmlns:xsi="http://www.w3.org/2001/XMLSchema-instance" xmlns:pc="http://schemas.microsoft.com/office/infopath/2007/PartnerControls">
-  <documentManagement>
-    <lcf76f155ced4ddcb4097134ff3c332f xmlns="d3941db7-e847-4eec-93a0-2a73614400cd">
-      <Terms xmlns="http://schemas.microsoft.com/office/infopath/2007/PartnerControls"/>
-    </lcf76f155ced4ddcb4097134ff3c332f>
-    <TaxCatchAll xmlns="cca428f8-9d0f-452b-a6c3-d925fc6099da" xsi:nil="true"/>
-  </documentManagement>
-</p:properties>
+<file path=customXml/itemProps2.xml><?xml version="1.0" encoding="utf-8"?>
+<ds:datastoreItem xmlns:ds="http://schemas.openxmlformats.org/officeDocument/2006/customXml" ds:itemID="{467CACED-44FF-49AA-A879-1D37F8FB85C4}">
+  <ds:schemaRefs>
+    <ds:schemaRef ds:uri="http://schemas.microsoft.com/sharepoint/v3/contenttype/forms"/>
+  </ds:schemaRefs>
+</ds:datastoreItem>
 </file>
 
-<file path=customXml/itemProps1.xml><?xml version="1.0" encoding="utf-8"?>
+<file path=customXml/itemProps3.xml><?xml version="1.0" encoding="utf-8"?>
 <ds:datastoreItem xmlns:ds="http://schemas.openxmlformats.org/officeDocument/2006/customXml" ds:itemID="{A992F592-9B14-4A6F-B1BE-BE7C42D54FA3}">
   <ds:schemaRefs>
     <ds:schemaRef ds:uri="http://schemas.microsoft.com/office/2006/metadata/contentType"/>
@@ -21793,23 +22655,4 @@
     <ds:schemaRef ds:uri="http://schemas.microsoft.com/internal/obd"/>
   </ds:schemaRefs>
 </ds:datastoreItem>
-</file>
-
-<file path=customXml/itemProps2.xml><?xml version="1.0" encoding="utf-8"?>
-<ds:datastoreItem xmlns:ds="http://schemas.openxmlformats.org/officeDocument/2006/customXml" ds:itemID="{467CACED-44FF-49AA-A879-1D37F8FB85C4}">
-  <ds:schemaRefs>
-    <ds:schemaRef ds:uri="http://schemas.microsoft.com/sharepoint/v3/contenttype/forms"/>
-  </ds:schemaRefs>
-</ds:datastoreItem>
-</file>
-
-<file path=customXml/itemProps3.xml><?xml version="1.0" encoding="utf-8"?>
-<ds:datastoreItem xmlns:ds="http://schemas.openxmlformats.org/officeDocument/2006/customXml" ds:itemID="{34B2DECD-4BBE-4C18-8387-A6BE446CC22E}">
-  <ds:schemaRefs>
-    <ds:schemaRef ds:uri="http://schemas.microsoft.com/office/2006/metadata/properties"/>
-    <ds:schemaRef ds:uri="http://schemas.microsoft.com/office/infopath/2007/PartnerControls"/>
-    <ds:schemaRef ds:uri="d3941db7-e847-4eec-93a0-2a73614400cd"/>
-    <ds:schemaRef ds:uri="cca428f8-9d0f-452b-a6c3-d925fc6099da"/>
-  </ds:schemaRefs>
-</ds:datastoreItem>
 </file>